--- a/TVCHH/TVCHH 138 - Tiến Bước Với Chúa.pptx
+++ b/TVCHH/TVCHH 138 - Tiến Bước Với Chúa.pptx
@@ -115,6 +115,11 @@
       </a:defRPr>
     </a:lvl9pPr>
   </p:defaultTextStyle>
+  <p:extLst>
+    <p:ext uri="{EFAFB233-063F-42B5-8137-9DF3F51BA10A}">
+      <p15:sldGuideLst xmlns:p15="http://schemas.microsoft.com/office/powerpoint/2012/main"/>
+    </p:ext>
+  </p:extLst>
 </p:presentation>
 </file>
 
@@ -160,10 +165,9 @@
           </a:lstStyle>
           <a:p>
             <a:r>
-              <a:rPr lang="en-US" smtClean="0"/>
+              <a:rPr lang="en-US"/>
               <a:t>Click to edit Master title style</a:t>
             </a:r>
-            <a:endParaRPr lang="en-US"/>
           </a:p>
         </p:txBody>
       </p:sp>
@@ -225,10 +229,9 @@
           </a:lstStyle>
           <a:p>
             <a:r>
-              <a:rPr lang="en-US" smtClean="0"/>
+              <a:rPr lang="en-US"/>
               <a:t>Click to edit Master subtitle style</a:t>
             </a:r>
-            <a:endParaRPr lang="en-US"/>
           </a:p>
         </p:txBody>
       </p:sp>
@@ -256,7 +259,7 @@
                 </a:solidFill>
               </a:rPr>
               <a:pPr/>
-              <a:t>4/13/2013</a:t>
+              <a:t>1/19/20</a:t>
             </a:fld>
             <a:endParaRPr lang="en-US">
               <a:solidFill>
@@ -384,10 +387,9 @@
           </a:lstStyle>
           <a:p>
             <a:r>
-              <a:rPr lang="en-US" smtClean="0"/>
+              <a:rPr lang="en-US"/>
               <a:t>Click to edit Master title style</a:t>
             </a:r>
-            <a:endParaRPr lang="en-US"/>
           </a:p>
         </p:txBody>
       </p:sp>
@@ -449,10 +451,9 @@
           </a:lstStyle>
           <a:p>
             <a:r>
-              <a:rPr lang="en-US" smtClean="0"/>
+              <a:rPr lang="en-US"/>
               <a:t>Click to edit Master subtitle style</a:t>
             </a:r>
-            <a:endParaRPr lang="en-US"/>
           </a:p>
         </p:txBody>
       </p:sp>
@@ -480,7 +481,7 @@
                 </a:solidFill>
               </a:rPr>
               <a:pPr/>
-              <a:t>4/13/2013</a:t>
+              <a:t>1/19/20</a:t>
             </a:fld>
             <a:endParaRPr lang="en-US">
               <a:solidFill>
@@ -623,10 +624,9 @@
           <a:lstStyle/>
           <a:p>
             <a:r>
-              <a:rPr lang="en-US" smtClean="0"/>
+              <a:rPr lang="en-US"/>
               <a:t>Click to edit Master title style</a:t>
             </a:r>
-            <a:endParaRPr lang="en-US"/>
           </a:p>
         </p:txBody>
       </p:sp>
@@ -657,38 +657,37 @@
           <a:p>
             <a:pPr lvl="0"/>
             <a:r>
-              <a:rPr lang="en-US" smtClean="0"/>
+              <a:rPr lang="en-US"/>
               <a:t>Click to edit Master text styles</a:t>
             </a:r>
           </a:p>
           <a:p>
             <a:pPr lvl="1"/>
             <a:r>
-              <a:rPr lang="en-US" smtClean="0"/>
+              <a:rPr lang="en-US"/>
               <a:t>Second level</a:t>
             </a:r>
           </a:p>
           <a:p>
             <a:pPr lvl="2"/>
             <a:r>
-              <a:rPr lang="en-US" smtClean="0"/>
+              <a:rPr lang="en-US"/>
               <a:t>Third level</a:t>
             </a:r>
           </a:p>
           <a:p>
             <a:pPr lvl="3"/>
             <a:r>
-              <a:rPr lang="en-US" smtClean="0"/>
+              <a:rPr lang="en-US"/>
               <a:t>Fourth level</a:t>
             </a:r>
           </a:p>
           <a:p>
             <a:pPr lvl="4"/>
             <a:r>
-              <a:rPr lang="en-US" smtClean="0"/>
+              <a:rPr lang="en-US"/>
               <a:t>Fifth level</a:t>
             </a:r>
-            <a:endParaRPr lang="en-US"/>
           </a:p>
         </p:txBody>
       </p:sp>
@@ -734,7 +733,7 @@
                 </a:solidFill>
               </a:rPr>
               <a:pPr/>
-              <a:t>4/13/2013</a:t>
+              <a:t>1/19/20</a:t>
             </a:fld>
             <a:endParaRPr lang="en-US">
               <a:solidFill>
@@ -1194,10 +1193,9 @@
           <a:lstStyle/>
           <a:p>
             <a:r>
-              <a:rPr lang="en-US" smtClean="0"/>
+              <a:rPr lang="en-US"/>
               <a:t>Click to edit Master title style</a:t>
             </a:r>
-            <a:endParaRPr lang="en-US"/>
           </a:p>
         </p:txBody>
       </p:sp>
@@ -1228,38 +1226,37 @@
           <a:p>
             <a:pPr lvl="0"/>
             <a:r>
-              <a:rPr lang="en-US" smtClean="0"/>
+              <a:rPr lang="en-US"/>
               <a:t>Click to edit Master text styles</a:t>
             </a:r>
           </a:p>
           <a:p>
             <a:pPr lvl="1"/>
             <a:r>
-              <a:rPr lang="en-US" smtClean="0"/>
+              <a:rPr lang="en-US"/>
               <a:t>Second level</a:t>
             </a:r>
           </a:p>
           <a:p>
             <a:pPr lvl="2"/>
             <a:r>
-              <a:rPr lang="en-US" smtClean="0"/>
+              <a:rPr lang="en-US"/>
               <a:t>Third level</a:t>
             </a:r>
           </a:p>
           <a:p>
             <a:pPr lvl="3"/>
             <a:r>
-              <a:rPr lang="en-US" smtClean="0"/>
+              <a:rPr lang="en-US"/>
               <a:t>Fourth level</a:t>
             </a:r>
           </a:p>
           <a:p>
             <a:pPr lvl="4"/>
             <a:r>
-              <a:rPr lang="en-US" smtClean="0"/>
+              <a:rPr lang="en-US"/>
               <a:t>Fifth level</a:t>
             </a:r>
-            <a:endParaRPr lang="en-US"/>
           </a:p>
         </p:txBody>
       </p:sp>
@@ -1305,7 +1302,7 @@
                 </a:solidFill>
               </a:rPr>
               <a:pPr/>
-              <a:t>4/13/2013</a:t>
+              <a:t>1/19/20</a:t>
             </a:fld>
             <a:endParaRPr lang="en-US">
               <a:solidFill>
@@ -1788,7 +1785,7 @@
           <a:p>
             <a:pPr algn="ctr"/>
             <a:r>
-              <a:rPr lang="en-US" sz="7200" b="1" smtClean="0">
+              <a:rPr lang="en-US" sz="7200" b="1" dirty="0">
                 <a:ln w="11430"/>
                 <a:solidFill>
                   <a:srgbClr val="FFFF00"/>
@@ -1803,7 +1800,7 @@
                     </a:srgbClr>
                   </a:outerShdw>
                 </a:effectLst>
-                <a:latin typeface="HP-Bank" panose="020B0603050302020204" pitchFamily="34" charset="0"/>
+                <a:latin typeface="VNI-Times" pitchFamily="2" charset="0"/>
               </a:rPr>
               <a:t>TIEÁN BÖÔÙC</a:t>
             </a:r>
@@ -1811,7 +1808,7 @@
           <a:p>
             <a:pPr algn="ctr"/>
             <a:r>
-              <a:rPr lang="en-US" sz="7200" b="1" smtClean="0">
+              <a:rPr lang="en-US" sz="7200" b="1" dirty="0">
                 <a:ln w="11430"/>
                 <a:solidFill>
                   <a:srgbClr val="FFFF00"/>
@@ -1826,7 +1823,7 @@
                     </a:srgbClr>
                   </a:outerShdw>
                 </a:effectLst>
-                <a:latin typeface="HP-Bank" panose="020B0603050302020204" pitchFamily="34" charset="0"/>
+                <a:latin typeface="VNI-Times" pitchFamily="2" charset="0"/>
               </a:rPr>
               <a:t>VÔÙI CHUÙA</a:t>
             </a:r>
@@ -1843,25 +1840,18 @@
   <p:clrMapOvr>
     <a:masterClrMapping/>
   </p:clrMapOvr>
-  <mc:AlternateContent xmlns:mc="http://schemas.openxmlformats.org/markup-compatibility/2006">
-    <mc:Choice xmlns:p14="http://schemas.microsoft.com/office/powerpoint/2010/main" Requires="p14">
+  <mc:AlternateContent xmlns:mc="http://schemas.openxmlformats.org/markup-compatibility/2006" xmlns:p14="http://schemas.microsoft.com/office/powerpoint/2010/main">
+    <mc:Choice Requires="p14">
       <p:transition spd="slow" p14:dur="800">
         <p:circle/>
       </p:transition>
     </mc:Choice>
-    <mc:Fallback>
+    <mc:Fallback xmlns="">
       <p:transition spd="slow">
         <p:circle/>
       </p:transition>
     </mc:Fallback>
   </mc:AlternateContent>
-  <p:timing>
-    <p:tnLst>
-      <p:par>
-        <p:cTn id="1" dur="indefinite" restart="never" nodeType="tmRoot"/>
-      </p:par>
-    </p:tnLst>
-  </p:timing>
 </p:sld>
 </file>
 
@@ -1938,9 +1928,9 @@
                 <a:ea typeface="Times New Roman" pitchFamily="18" charset="0"/>
                 <a:cs typeface="Times New Roman" pitchFamily="18" charset="0"/>
               </a:rPr>
-              <a:t>Toâi ñaõ </a:t>
-            </a:r>
-            <a:r>
+              <a:t>Toâi ñaõ quyeát tieán </a:t>
+            </a:r>
+            <a:br>
               <a:rPr lang="en-US" sz="6600" b="1">
                 <a:solidFill>
                   <a:prstClr val="black"/>
@@ -1954,10 +1944,9 @@
                 <a:ea typeface="Times New Roman" pitchFamily="18" charset="0"/>
                 <a:cs typeface="Times New Roman" pitchFamily="18" charset="0"/>
               </a:rPr>
-              <a:t>quyeát </a:t>
-            </a:r>
-            <a:r>
-              <a:rPr lang="en-US" sz="6600" b="1" smtClean="0">
+            </a:br>
+            <a:r>
+              <a:rPr lang="en-US" sz="6600" b="1">
                 <a:solidFill>
                   <a:prstClr val="black"/>
                 </a:solidFill>
@@ -1970,68 +1959,8 @@
                 <a:ea typeface="Times New Roman" pitchFamily="18" charset="0"/>
                 <a:cs typeface="Times New Roman" pitchFamily="18" charset="0"/>
               </a:rPr>
-              <a:t>tieán </a:t>
-            </a:r>
-            <a:br>
-              <a:rPr lang="en-US" sz="6600" b="1" smtClean="0">
-                <a:solidFill>
-                  <a:prstClr val="black"/>
-                </a:solidFill>
-                <a:effectLst>
-                  <a:glow rad="127000">
-                    <a:prstClr val="white"/>
-                  </a:glow>
-                </a:effectLst>
-                <a:latin typeface="VNI-Aptima" pitchFamily="2" charset="0"/>
-                <a:ea typeface="Times New Roman" pitchFamily="18" charset="0"/>
-                <a:cs typeface="Times New Roman" pitchFamily="18" charset="0"/>
-              </a:rPr>
-            </a:br>
-            <a:r>
-              <a:rPr lang="en-US" sz="6600" b="1" smtClean="0">
-                <a:solidFill>
-                  <a:prstClr val="black"/>
-                </a:solidFill>
-                <a:effectLst>
-                  <a:glow rad="127000">
-                    <a:prstClr val="white"/>
-                  </a:glow>
-                </a:effectLst>
-                <a:latin typeface="VNI-Aptima" pitchFamily="2" charset="0"/>
-                <a:ea typeface="Times New Roman" pitchFamily="18" charset="0"/>
-                <a:cs typeface="Times New Roman" pitchFamily="18" charset="0"/>
-              </a:rPr>
-              <a:t>böôùc </a:t>
-            </a:r>
-            <a:r>
-              <a:rPr lang="en-US" sz="6600" b="1">
-                <a:solidFill>
-                  <a:prstClr val="black"/>
-                </a:solidFill>
-                <a:effectLst>
-                  <a:glow rad="127000">
-                    <a:prstClr val="white"/>
-                  </a:glow>
-                </a:effectLst>
-                <a:latin typeface="VNI-Aptima" pitchFamily="2" charset="0"/>
-                <a:ea typeface="Times New Roman" pitchFamily="18" charset="0"/>
-                <a:cs typeface="Times New Roman" pitchFamily="18" charset="0"/>
-              </a:rPr>
-              <a:t>vôùi Chuùa, Chuùa daãn ñöa troïn ñôøi.</a:t>
-            </a:r>
-            <a:endParaRPr lang="en-US" sz="6600" b="1">
-              <a:solidFill>
-                <a:prstClr val="black"/>
-              </a:solidFill>
-              <a:effectLst>
-                <a:glow rad="127000">
-                  <a:prstClr val="white"/>
-                </a:glow>
-              </a:effectLst>
-              <a:latin typeface="VNI-Aptima" pitchFamily="2" charset="0"/>
-              <a:ea typeface="Times New Roman" pitchFamily="18" charset="0"/>
-              <a:cs typeface="Times New Roman" pitchFamily="18" charset="0"/>
-            </a:endParaRPr>
+              <a:t>böôùc vôùi Chuùa, Chuùa daãn ñöa troïn ñôøi.</a:t>
+            </a:r>
           </a:p>
         </p:txBody>
       </p:sp>
@@ -2059,7 +1988,7 @@
           <a:p>
             <a:pPr algn="ctr"/>
             <a:r>
-              <a:rPr lang="en-US" sz="4000" b="1" smtClean="0">
+              <a:rPr lang="en-US" sz="4000" b="1" dirty="0">
                 <a:ln w="11430"/>
                 <a:solidFill>
                   <a:srgbClr val="FFFF00"/>
@@ -2074,27 +2003,10 @@
                     </a:srgbClr>
                   </a:outerShdw>
                 </a:effectLst>
-                <a:latin typeface="HP-Bank" panose="020B0603050302020204" pitchFamily="34" charset="0"/>
+                <a:latin typeface="VNI-Times" pitchFamily="2" charset="0"/>
               </a:rPr>
               <a:t>TIEÁN BÖÔÙC VÔÙI CHUÙA</a:t>
             </a:r>
-            <a:endParaRPr lang="en-US" sz="4000" b="1" smtClean="0">
-              <a:ln w="11430"/>
-              <a:solidFill>
-                <a:srgbClr val="FFFF00"/>
-              </a:solidFill>
-              <a:effectLst>
-                <a:glow rad="127000">
-                  <a:prstClr val="black"/>
-                </a:glow>
-                <a:outerShdw blurRad="50800" dist="39000" dir="5460000" algn="tl">
-                  <a:srgbClr val="000000">
-                    <a:alpha val="38000"/>
-                  </a:srgbClr>
-                </a:outerShdw>
-              </a:effectLst>
-              <a:latin typeface="HP-Bank" panose="020B0603050302020204" pitchFamily="34" charset="0"/>
-            </a:endParaRPr>
           </a:p>
         </p:txBody>
       </p:sp>
@@ -2215,117 +2127,8 @@
                 <a:ea typeface="Times New Roman" pitchFamily="18" charset="0"/>
                 <a:cs typeface="Times New Roman" pitchFamily="18" charset="0"/>
               </a:rPr>
-              <a:t>Chuùa daãn loái böôùc toâi</a:t>
-            </a:r>
-            <a:r>
-              <a:rPr lang="en-US" sz="6600" b="1" spc="-150">
-                <a:solidFill>
-                  <a:prstClr val="black"/>
-                </a:solidFill>
-                <a:effectLst>
-                  <a:glow rad="127000">
-                    <a:prstClr val="white"/>
-                  </a:glow>
-                </a:effectLst>
-                <a:latin typeface="VNI-Aptima" pitchFamily="2" charset="0"/>
-                <a:ea typeface="Times New Roman" pitchFamily="18" charset="0"/>
-                <a:cs typeface="Times New Roman" pitchFamily="18" charset="0"/>
-              </a:rPr>
-              <a:t>, </a:t>
-            </a:r>
-            <a:r>
-              <a:rPr lang="en-US" sz="6600" b="1" spc="-150" smtClean="0">
-                <a:solidFill>
-                  <a:prstClr val="black"/>
-                </a:solidFill>
-                <a:effectLst>
-                  <a:glow rad="127000">
-                    <a:prstClr val="white"/>
-                  </a:glow>
-                </a:effectLst>
-                <a:latin typeface="VNI-Aptima" pitchFamily="2" charset="0"/>
-                <a:ea typeface="Times New Roman" pitchFamily="18" charset="0"/>
-                <a:cs typeface="Times New Roman" pitchFamily="18" charset="0"/>
-              </a:rPr>
-              <a:t>qua </a:t>
-            </a:r>
-            <a:r>
-              <a:rPr lang="en-US" sz="6600" b="1" spc="-150">
-                <a:solidFill>
-                  <a:prstClr val="black"/>
-                </a:solidFill>
-                <a:effectLst>
-                  <a:glow rad="127000">
-                    <a:prstClr val="white"/>
-                  </a:glow>
-                </a:effectLst>
-                <a:latin typeface="VNI-Aptima" pitchFamily="2" charset="0"/>
-                <a:ea typeface="Times New Roman" pitchFamily="18" charset="0"/>
-                <a:cs typeface="Times New Roman" pitchFamily="18" charset="0"/>
-              </a:rPr>
-              <a:t>bao ñöôøng gian nguy </a:t>
-            </a:r>
-            <a:r>
-              <a:rPr lang="en-US" sz="6600" b="1" spc="-150">
-                <a:solidFill>
-                  <a:prstClr val="black"/>
-                </a:solidFill>
-                <a:effectLst>
-                  <a:glow rad="127000">
-                    <a:prstClr val="white"/>
-                  </a:glow>
-                </a:effectLst>
-                <a:latin typeface="VNI-Aptima" pitchFamily="2" charset="0"/>
-                <a:ea typeface="Times New Roman" pitchFamily="18" charset="0"/>
-                <a:cs typeface="Times New Roman" pitchFamily="18" charset="0"/>
-              </a:rPr>
-              <a:t>taâm </a:t>
-            </a:r>
-            <a:r>
-              <a:rPr lang="en-US" sz="6600" b="1" spc="-150" smtClean="0">
-                <a:solidFill>
-                  <a:prstClr val="black"/>
-                </a:solidFill>
-                <a:effectLst>
-                  <a:glow rad="127000">
-                    <a:prstClr val="white"/>
-                  </a:glow>
-                </a:effectLst>
-                <a:latin typeface="VNI-Aptima" pitchFamily="2" charset="0"/>
-                <a:ea typeface="Times New Roman" pitchFamily="18" charset="0"/>
-                <a:cs typeface="Times New Roman" pitchFamily="18" charset="0"/>
-              </a:rPr>
-              <a:t>toâi </a:t>
-            </a:r>
-            <a:r>
-              <a:rPr lang="en-US" sz="6600" b="1" spc="-150">
-                <a:solidFill>
-                  <a:prstClr val="black"/>
-                </a:solidFill>
-                <a:effectLst>
-                  <a:glow rad="127000">
-                    <a:prstClr val="white"/>
-                  </a:glow>
-                </a:effectLst>
-                <a:latin typeface="VNI-Aptima" pitchFamily="2" charset="0"/>
-                <a:ea typeface="Times New Roman" pitchFamily="18" charset="0"/>
-                <a:cs typeface="Times New Roman" pitchFamily="18" charset="0"/>
-              </a:rPr>
-              <a:t>vaãn an bình. </a:t>
-            </a:r>
-            <a:endParaRPr lang="en-US" sz="6600" b="1" spc="-150">
-              <a:solidFill>
-                <a:prstClr val="black"/>
-              </a:solidFill>
-              <a:effectLst>
-                <a:glow rad="127000">
-                  <a:prstClr val="white"/>
-                </a:glow>
-              </a:effectLst>
-              <a:latin typeface="VNI-Aptima" pitchFamily="2" charset="0"/>
-              <a:ea typeface="Times New Roman" pitchFamily="18" charset="0"/>
-              <a:cs typeface="Times New Roman" pitchFamily="18" charset="0"/>
-            </a:endParaRPr>
+              <a:t>Chuùa daãn loái böôùc toâi, qua bao ñöôøng gian nguy taâm toâi vaãn an bình. </a:t>
+            </a:r>
           </a:p>
         </p:txBody>
       </p:sp>
@@ -2353,7 +2156,7 @@
           <a:p>
             <a:pPr algn="ctr"/>
             <a:r>
-              <a:rPr lang="en-US" sz="4000" b="1" smtClean="0">
+              <a:rPr lang="en-US" sz="4000" b="1" dirty="0">
                 <a:ln w="11430"/>
                 <a:solidFill>
                   <a:srgbClr val="FFFF00"/>
@@ -2368,27 +2171,10 @@
                     </a:srgbClr>
                   </a:outerShdw>
                 </a:effectLst>
-                <a:latin typeface="HP-Bank" panose="020B0603050302020204" pitchFamily="34" charset="0"/>
+                <a:latin typeface="VNI-Times" pitchFamily="2" charset="0"/>
               </a:rPr>
               <a:t>TIEÁN BÖÔÙC VÔÙI CHUÙA</a:t>
             </a:r>
-            <a:endParaRPr lang="en-US" sz="4000" b="1" smtClean="0">
-              <a:ln w="11430"/>
-              <a:solidFill>
-                <a:srgbClr val="FFFF00"/>
-              </a:solidFill>
-              <a:effectLst>
-                <a:glow rad="127000">
-                  <a:prstClr val="black"/>
-                </a:glow>
-                <a:outerShdw blurRad="50800" dist="39000" dir="5460000" algn="tl">
-                  <a:srgbClr val="000000">
-                    <a:alpha val="38000"/>
-                  </a:srgbClr>
-                </a:outerShdw>
-              </a:effectLst>
-              <a:latin typeface="HP-Bank" panose="020B0603050302020204" pitchFamily="34" charset="0"/>
-            </a:endParaRPr>
           </a:p>
         </p:txBody>
       </p:sp>
@@ -2446,7 +2232,7 @@
           <a:p>
             <a:pPr algn="ctr"/>
             <a:r>
-              <a:rPr lang="en-US" sz="4000" b="1" smtClean="0">
+              <a:rPr lang="en-US" sz="4000" b="1" dirty="0">
                 <a:ln w="11430"/>
                 <a:solidFill>
                   <a:srgbClr val="FFFF00"/>
@@ -2461,7 +2247,7 @@
                     </a:srgbClr>
                   </a:outerShdw>
                 </a:effectLst>
-                <a:latin typeface="HP-Bank" panose="020B0603050302020204" pitchFamily="34" charset="0"/>
+                <a:latin typeface="VNI-Times" pitchFamily="2" charset="0"/>
               </a:rPr>
               <a:t>TIEÁN BÖÔÙC VÔÙI CHUÙA</a:t>
             </a:r>
@@ -2511,7 +2297,7 @@
               </a:spcAft>
             </a:pPr>
             <a:r>
-              <a:rPr lang="en-US" sz="6600" b="1" smtClean="0">
+              <a:rPr lang="en-US" sz="6600" b="1">
                 <a:solidFill>
                   <a:prstClr val="black"/>
                 </a:solidFill>
@@ -2524,9 +2310,9 @@
                 <a:ea typeface="Times New Roman" pitchFamily="18" charset="0"/>
                 <a:cs typeface="Times New Roman" pitchFamily="18" charset="0"/>
               </a:rPr>
-              <a:t>Haèng </a:t>
-            </a:r>
-            <a:r>
+              <a:t>Haèng ngaøy toâi </a:t>
+            </a:r>
+            <a:br>
               <a:rPr lang="en-US" sz="6600" b="1">
                 <a:solidFill>
                   <a:prstClr val="black"/>
@@ -2540,8 +2326,7 @@
                 <a:ea typeface="Times New Roman" pitchFamily="18" charset="0"/>
                 <a:cs typeface="Times New Roman" pitchFamily="18" charset="0"/>
               </a:rPr>
-              <a:t>ngaøy </a:t>
-            </a:r>
+            </a:br>
             <a:r>
               <a:rPr lang="en-US" sz="6600" b="1">
                 <a:solidFill>
@@ -2556,10 +2341,10 @@
                 <a:ea typeface="Times New Roman" pitchFamily="18" charset="0"/>
                 <a:cs typeface="Times New Roman" pitchFamily="18" charset="0"/>
               </a:rPr>
-              <a:t>toâi </a:t>
-            </a:r>
-            <a:r>
-              <a:rPr lang="en-US" sz="6600" b="1" smtClean="0">
+              <a:t>tieán böôùc vôùi Chuùa, </a:t>
+            </a:r>
+            <a:br>
+              <a:rPr lang="en-US" sz="6600" b="1">
                 <a:solidFill>
                   <a:prstClr val="black"/>
                 </a:solidFill>
@@ -2572,10 +2357,9 @@
                 <a:ea typeface="Times New Roman" pitchFamily="18" charset="0"/>
                 <a:cs typeface="Times New Roman" pitchFamily="18" charset="0"/>
               </a:rPr>
-              <a:t/>
-            </a:r>
-            <a:br>
-              <a:rPr lang="en-US" sz="6600" b="1" smtClean="0">
+            </a:br>
+            <a:r>
+              <a:rPr lang="en-US" sz="6600" b="1">
                 <a:solidFill>
                   <a:prstClr val="black"/>
                 </a:solidFill>
@@ -2588,131 +2372,8 @@
                 <a:ea typeface="Times New Roman" pitchFamily="18" charset="0"/>
                 <a:cs typeface="Times New Roman" pitchFamily="18" charset="0"/>
               </a:rPr>
-            </a:br>
-            <a:r>
-              <a:rPr lang="en-US" sz="6600" b="1" smtClean="0">
-                <a:solidFill>
-                  <a:prstClr val="black"/>
-                </a:solidFill>
-                <a:effectLst>
-                  <a:glow rad="127000">
-                    <a:prstClr val="white"/>
-                  </a:glow>
-                </a:effectLst>
-                <a:latin typeface="VNI-Aptima" pitchFamily="2" charset="0"/>
-                <a:ea typeface="Times New Roman" pitchFamily="18" charset="0"/>
-                <a:cs typeface="Times New Roman" pitchFamily="18" charset="0"/>
-              </a:rPr>
-              <a:t>tieán </a:t>
-            </a:r>
-            <a:r>
-              <a:rPr lang="en-US" sz="6600" b="1">
-                <a:solidFill>
-                  <a:prstClr val="black"/>
-                </a:solidFill>
-                <a:effectLst>
-                  <a:glow rad="127000">
-                    <a:prstClr val="white"/>
-                  </a:glow>
-                </a:effectLst>
-                <a:latin typeface="VNI-Aptima" pitchFamily="2" charset="0"/>
-                <a:ea typeface="Times New Roman" pitchFamily="18" charset="0"/>
-                <a:cs typeface="Times New Roman" pitchFamily="18" charset="0"/>
-              </a:rPr>
-              <a:t>böôùc vôùi Chuùa</a:t>
-            </a:r>
-            <a:r>
-              <a:rPr lang="en-US" sz="6600" b="1">
-                <a:solidFill>
-                  <a:prstClr val="black"/>
-                </a:solidFill>
-                <a:effectLst>
-                  <a:glow rad="127000">
-                    <a:prstClr val="white"/>
-                  </a:glow>
-                </a:effectLst>
-                <a:latin typeface="VNI-Aptima" pitchFamily="2" charset="0"/>
-                <a:ea typeface="Times New Roman" pitchFamily="18" charset="0"/>
-                <a:cs typeface="Times New Roman" pitchFamily="18" charset="0"/>
-              </a:rPr>
-              <a:t>, </a:t>
-            </a:r>
-            <a:r>
-              <a:rPr lang="en-US" sz="6600" b="1" smtClean="0">
-                <a:solidFill>
-                  <a:prstClr val="black"/>
-                </a:solidFill>
-                <a:effectLst>
-                  <a:glow rad="127000">
-                    <a:prstClr val="white"/>
-                  </a:glow>
-                </a:effectLst>
-                <a:latin typeface="VNI-Aptima" pitchFamily="2" charset="0"/>
-                <a:ea typeface="Times New Roman" pitchFamily="18" charset="0"/>
-                <a:cs typeface="Times New Roman" pitchFamily="18" charset="0"/>
-              </a:rPr>
-              <a:t/>
-            </a:r>
-            <a:br>
-              <a:rPr lang="en-US" sz="6600" b="1" smtClean="0">
-                <a:solidFill>
-                  <a:prstClr val="black"/>
-                </a:solidFill>
-                <a:effectLst>
-                  <a:glow rad="127000">
-                    <a:prstClr val="white"/>
-                  </a:glow>
-                </a:effectLst>
-                <a:latin typeface="VNI-Aptima" pitchFamily="2" charset="0"/>
-                <a:ea typeface="Times New Roman" pitchFamily="18" charset="0"/>
-                <a:cs typeface="Times New Roman" pitchFamily="18" charset="0"/>
-              </a:rPr>
-            </a:br>
-            <a:r>
-              <a:rPr lang="en-US" sz="6600" b="1" smtClean="0">
-                <a:solidFill>
-                  <a:prstClr val="black"/>
-                </a:solidFill>
-                <a:effectLst>
-                  <a:glow rad="127000">
-                    <a:prstClr val="white"/>
-                  </a:glow>
-                </a:effectLst>
-                <a:latin typeface="VNI-Aptima" pitchFamily="2" charset="0"/>
-                <a:ea typeface="Times New Roman" pitchFamily="18" charset="0"/>
-                <a:cs typeface="Times New Roman" pitchFamily="18" charset="0"/>
-              </a:rPr>
-              <a:t>moãi loái </a:t>
-            </a:r>
-            <a:r>
-              <a:rPr lang="en-US" sz="6600" b="1">
-                <a:solidFill>
-                  <a:prstClr val="black"/>
-                </a:solidFill>
-                <a:effectLst>
-                  <a:glow rad="127000">
-                    <a:prstClr val="white"/>
-                  </a:glow>
-                </a:effectLst>
-                <a:latin typeface="VNI-Aptima" pitchFamily="2" charset="0"/>
-                <a:ea typeface="Times New Roman" pitchFamily="18" charset="0"/>
-                <a:cs typeface="Times New Roman" pitchFamily="18" charset="0"/>
-              </a:rPr>
-              <a:t>ñi trong ñôøi.</a:t>
-            </a:r>
-            <a:endParaRPr lang="en-US" sz="6600" b="1">
-              <a:solidFill>
-                <a:prstClr val="black"/>
-              </a:solidFill>
-              <a:effectLst>
-                <a:glow rad="127000">
-                  <a:prstClr val="white"/>
-                </a:glow>
-              </a:effectLst>
-              <a:latin typeface="VNI-Aptima" pitchFamily="2" charset="0"/>
-              <a:ea typeface="Times New Roman" pitchFamily="18" charset="0"/>
-              <a:cs typeface="Times New Roman" pitchFamily="18" charset="0"/>
-            </a:endParaRPr>
+              <a:t>moãi loái ñi trong ñôøi.</a:t>
+            </a:r>
           </a:p>
         </p:txBody>
       </p:sp>
@@ -2729,13 +2390,6 @@
   <p:transition spd="slow">
     <p:randomBar dir="vert"/>
   </p:transition>
-  <p:timing>
-    <p:tnLst>
-      <p:par>
-        <p:cTn id="1" dur="indefinite" restart="never" nodeType="tmRoot"/>
-      </p:par>
-    </p:tnLst>
-  </p:timing>
 </p:sld>
 </file>
 
@@ -2812,9 +2466,9 @@
                 <a:ea typeface="Times New Roman" pitchFamily="18" charset="0"/>
                 <a:cs typeface="Times New Roman" pitchFamily="18" charset="0"/>
               </a:rPr>
-              <a:t>Haèng ngaøy toâi tieán böôùc vôùi Chuùa, </a:t>
-            </a:r>
-            <a:r>
+              <a:t>Haèng ngaøy toâi tieán böôùc vôùi Chuùa, vôùi </a:t>
+            </a:r>
+            <a:br>
               <a:rPr lang="en-US" sz="6600" b="1">
                 <a:solidFill>
                   <a:prstClr val="black"/>
@@ -2828,10 +2482,9 @@
                 <a:ea typeface="Times New Roman" pitchFamily="18" charset="0"/>
                 <a:cs typeface="Times New Roman" pitchFamily="18" charset="0"/>
               </a:rPr>
-              <a:t>vôùi </a:t>
-            </a:r>
-            <a:r>
-              <a:rPr lang="en-US" sz="6600" b="1" smtClean="0">
+            </a:br>
+            <a:r>
+              <a:rPr lang="en-US" sz="6600" b="1">
                 <a:solidFill>
                   <a:prstClr val="black"/>
                 </a:solidFill>
@@ -2844,68 +2497,8 @@
                 <a:ea typeface="Times New Roman" pitchFamily="18" charset="0"/>
                 <a:cs typeface="Times New Roman" pitchFamily="18" charset="0"/>
               </a:rPr>
-              <a:t/>
-            </a:r>
-            <a:br>
-              <a:rPr lang="en-US" sz="6600" b="1" smtClean="0">
-                <a:solidFill>
-                  <a:prstClr val="black"/>
-                </a:solidFill>
-                <a:effectLst>
-                  <a:glow rad="127000">
-                    <a:prstClr val="white"/>
-                  </a:glow>
-                </a:effectLst>
-                <a:latin typeface="VNI-Aptima" pitchFamily="2" charset="0"/>
-                <a:ea typeface="Times New Roman" pitchFamily="18" charset="0"/>
-                <a:cs typeface="Times New Roman" pitchFamily="18" charset="0"/>
-              </a:rPr>
-            </a:br>
-            <a:r>
-              <a:rPr lang="en-US" sz="6600" b="1" smtClean="0">
-                <a:solidFill>
-                  <a:prstClr val="black"/>
-                </a:solidFill>
-                <a:effectLst>
-                  <a:glow rad="127000">
-                    <a:prstClr val="white"/>
-                  </a:glow>
-                </a:effectLst>
-                <a:latin typeface="VNI-Aptima" pitchFamily="2" charset="0"/>
-                <a:ea typeface="Times New Roman" pitchFamily="18" charset="0"/>
-                <a:cs typeface="Times New Roman" pitchFamily="18" charset="0"/>
-              </a:rPr>
-              <a:t>tieáng </a:t>
-            </a:r>
-            <a:r>
-              <a:rPr lang="en-US" sz="6600" b="1">
-                <a:solidFill>
-                  <a:prstClr val="black"/>
-                </a:solidFill>
-                <a:effectLst>
-                  <a:glow rad="127000">
-                    <a:prstClr val="white"/>
-                  </a:glow>
-                </a:effectLst>
-                <a:latin typeface="VNI-Aptima" pitchFamily="2" charset="0"/>
-                <a:ea typeface="Times New Roman" pitchFamily="18" charset="0"/>
-                <a:cs typeface="Times New Roman" pitchFamily="18" charset="0"/>
-              </a:rPr>
-              <a:t>ca roän vang. </a:t>
-            </a:r>
-            <a:endParaRPr lang="en-US" sz="6600" b="1">
-              <a:solidFill>
-                <a:prstClr val="black"/>
-              </a:solidFill>
-              <a:effectLst>
-                <a:glow rad="127000">
-                  <a:prstClr val="white"/>
-                </a:glow>
-              </a:effectLst>
-              <a:latin typeface="VNI-Aptima" pitchFamily="2" charset="0"/>
-              <a:ea typeface="Times New Roman" pitchFamily="18" charset="0"/>
-              <a:cs typeface="Times New Roman" pitchFamily="18" charset="0"/>
-            </a:endParaRPr>
+              <a:t>tieáng ca roän vang. </a:t>
+            </a:r>
           </a:p>
         </p:txBody>
       </p:sp>
@@ -2933,7 +2526,7 @@
           <a:p>
             <a:pPr algn="ctr"/>
             <a:r>
-              <a:rPr lang="en-US" sz="4000" b="1" smtClean="0">
+              <a:rPr lang="en-US" sz="4000" b="1" dirty="0">
                 <a:ln w="11430"/>
                 <a:solidFill>
                   <a:srgbClr val="FFFF00"/>
@@ -2948,27 +2541,10 @@
                     </a:srgbClr>
                   </a:outerShdw>
                 </a:effectLst>
-                <a:latin typeface="HP-Bank" panose="020B0603050302020204" pitchFamily="34" charset="0"/>
+                <a:latin typeface="VNI-Times" pitchFamily="2" charset="0"/>
               </a:rPr>
               <a:t>TIEÁN BÖÔÙC VÔÙI CHUÙA</a:t>
             </a:r>
-            <a:endParaRPr lang="en-US" sz="4000" b="1" smtClean="0">
-              <a:ln w="11430"/>
-              <a:solidFill>
-                <a:srgbClr val="FFFF00"/>
-              </a:solidFill>
-              <a:effectLst>
-                <a:glow rad="127000">
-                  <a:prstClr val="black"/>
-                </a:glow>
-                <a:outerShdw blurRad="50800" dist="39000" dir="5460000" algn="tl">
-                  <a:srgbClr val="000000">
-                    <a:alpha val="38000"/>
-                  </a:srgbClr>
-                </a:outerShdw>
-              </a:effectLst>
-              <a:latin typeface="HP-Bank" panose="020B0603050302020204" pitchFamily="34" charset="0"/>
-            </a:endParaRPr>
           </a:p>
         </p:txBody>
       </p:sp>
@@ -3058,9 +2634,9 @@
                 <a:ea typeface="Times New Roman" pitchFamily="18" charset="0"/>
                 <a:cs typeface="Times New Roman" pitchFamily="18" charset="0"/>
               </a:rPr>
-              <a:t>Daàu baàu trôøi </a:t>
-            </a:r>
-            <a:r>
+              <a:t>Daàu baàu trôøi maây </a:t>
+            </a:r>
+            <a:br>
               <a:rPr lang="en-US" sz="6600" b="1">
                 <a:solidFill>
                   <a:prstClr val="black"/>
@@ -3074,10 +2650,9 @@
                 <a:ea typeface="Times New Roman" pitchFamily="18" charset="0"/>
                 <a:cs typeface="Times New Roman" pitchFamily="18" charset="0"/>
               </a:rPr>
-              <a:t>maây </a:t>
-            </a:r>
-            <a:r>
-              <a:rPr lang="en-US" sz="6600" b="1" smtClean="0">
+            </a:br>
+            <a:r>
+              <a:rPr lang="en-US" sz="6600" b="1">
                 <a:solidFill>
                   <a:prstClr val="black"/>
                 </a:solidFill>
@@ -3090,10 +2665,10 @@
                 <a:ea typeface="Times New Roman" pitchFamily="18" charset="0"/>
                 <a:cs typeface="Times New Roman" pitchFamily="18" charset="0"/>
               </a:rPr>
-              <a:t/>
+              <a:t>aùm vôùi boùng toái, suoát </a:t>
             </a:r>
             <a:br>
-              <a:rPr lang="en-US" sz="6600" b="1" smtClean="0">
+              <a:rPr lang="en-US" sz="6600" b="1">
                 <a:solidFill>
                   <a:prstClr val="black"/>
                 </a:solidFill>
@@ -3108,7 +2683,7 @@
               </a:rPr>
             </a:br>
             <a:r>
-              <a:rPr lang="en-US" sz="6600" b="1" smtClean="0">
+              <a:rPr lang="en-US" sz="6600" b="1">
                 <a:solidFill>
                   <a:prstClr val="black"/>
                 </a:solidFill>
@@ -3121,148 +2696,8 @@
                 <a:ea typeface="Times New Roman" pitchFamily="18" charset="0"/>
                 <a:cs typeface="Times New Roman" pitchFamily="18" charset="0"/>
               </a:rPr>
-              <a:t>aùm </a:t>
-            </a:r>
-            <a:r>
-              <a:rPr lang="en-US" sz="6600" b="1">
-                <a:solidFill>
-                  <a:prstClr val="black"/>
-                </a:solidFill>
-                <a:effectLst>
-                  <a:glow rad="127000">
-                    <a:prstClr val="white"/>
-                  </a:glow>
-                </a:effectLst>
-                <a:latin typeface="VNI-Aptima" pitchFamily="2" charset="0"/>
-                <a:ea typeface="Times New Roman" pitchFamily="18" charset="0"/>
-                <a:cs typeface="Times New Roman" pitchFamily="18" charset="0"/>
-              </a:rPr>
-              <a:t>vôùi boùng toái, </a:t>
-            </a:r>
-            <a:r>
-              <a:rPr lang="en-US" sz="6600" b="1">
-                <a:solidFill>
-                  <a:prstClr val="black"/>
-                </a:solidFill>
-                <a:effectLst>
-                  <a:glow rad="127000">
-                    <a:prstClr val="white"/>
-                  </a:glow>
-                </a:effectLst>
-                <a:latin typeface="VNI-Aptima" pitchFamily="2" charset="0"/>
-                <a:ea typeface="Times New Roman" pitchFamily="18" charset="0"/>
-                <a:cs typeface="Times New Roman" pitchFamily="18" charset="0"/>
-              </a:rPr>
-              <a:t>suoát </a:t>
-            </a:r>
-            <a:r>
-              <a:rPr lang="en-US" sz="6600" b="1" smtClean="0">
-                <a:solidFill>
-                  <a:prstClr val="black"/>
-                </a:solidFill>
-                <a:effectLst>
-                  <a:glow rad="127000">
-                    <a:prstClr val="white"/>
-                  </a:glow>
-                </a:effectLst>
-                <a:latin typeface="VNI-Aptima" pitchFamily="2" charset="0"/>
-                <a:ea typeface="Times New Roman" pitchFamily="18" charset="0"/>
-                <a:cs typeface="Times New Roman" pitchFamily="18" charset="0"/>
-              </a:rPr>
-              <a:t/>
-            </a:r>
-            <a:br>
-              <a:rPr lang="en-US" sz="6600" b="1" smtClean="0">
-                <a:solidFill>
-                  <a:prstClr val="black"/>
-                </a:solidFill>
-                <a:effectLst>
-                  <a:glow rad="127000">
-                    <a:prstClr val="white"/>
-                  </a:glow>
-                </a:effectLst>
-                <a:latin typeface="VNI-Aptima" pitchFamily="2" charset="0"/>
-                <a:ea typeface="Times New Roman" pitchFamily="18" charset="0"/>
-                <a:cs typeface="Times New Roman" pitchFamily="18" charset="0"/>
-              </a:rPr>
-            </a:br>
-            <a:r>
-              <a:rPr lang="en-US" sz="6600" b="1" smtClean="0">
-                <a:solidFill>
-                  <a:prstClr val="black"/>
-                </a:solidFill>
-                <a:effectLst>
-                  <a:glow rad="127000">
-                    <a:prstClr val="white"/>
-                  </a:glow>
-                </a:effectLst>
-                <a:latin typeface="VNI-Aptima" pitchFamily="2" charset="0"/>
-                <a:ea typeface="Times New Roman" pitchFamily="18" charset="0"/>
-                <a:cs typeface="Times New Roman" pitchFamily="18" charset="0"/>
-              </a:rPr>
-              <a:t>loái </a:t>
-            </a:r>
-            <a:r>
-              <a:rPr lang="en-US" sz="6600" b="1">
-                <a:solidFill>
-                  <a:prstClr val="black"/>
-                </a:solidFill>
-                <a:effectLst>
-                  <a:glow rad="127000">
-                    <a:prstClr val="white"/>
-                  </a:glow>
-                </a:effectLst>
-                <a:latin typeface="VNI-Aptima" pitchFamily="2" charset="0"/>
-                <a:ea typeface="Times New Roman" pitchFamily="18" charset="0"/>
-                <a:cs typeface="Times New Roman" pitchFamily="18" charset="0"/>
-              </a:rPr>
-              <a:t>ñi </a:t>
-            </a:r>
-            <a:r>
-              <a:rPr lang="en-US" sz="6600" b="1" smtClean="0">
-                <a:solidFill>
-                  <a:prstClr val="black"/>
-                </a:solidFill>
-                <a:effectLst>
-                  <a:glow rad="127000">
-                    <a:prstClr val="white"/>
-                  </a:glow>
-                </a:effectLst>
-                <a:latin typeface="VNI-Aptima" pitchFamily="2" charset="0"/>
-                <a:ea typeface="Times New Roman" pitchFamily="18" charset="0"/>
-                <a:cs typeface="Times New Roman" pitchFamily="18" charset="0"/>
-              </a:rPr>
-              <a:t>traàn </a:t>
-            </a:r>
-            <a:r>
-              <a:rPr lang="en-US" sz="6600" b="1">
-                <a:solidFill>
-                  <a:prstClr val="black"/>
-                </a:solidFill>
-                <a:effectLst>
-                  <a:glow rad="127000">
-                    <a:prstClr val="white"/>
-                  </a:glow>
-                </a:effectLst>
-                <a:latin typeface="VNI-Aptima" pitchFamily="2" charset="0"/>
-                <a:ea typeface="Times New Roman" pitchFamily="18" charset="0"/>
-                <a:cs typeface="Times New Roman" pitchFamily="18" charset="0"/>
-              </a:rPr>
-              <a:t>gian.</a:t>
-            </a:r>
-            <a:endParaRPr lang="en-US" sz="6600" b="1">
-              <a:solidFill>
-                <a:prstClr val="black"/>
-              </a:solidFill>
-              <a:effectLst>
-                <a:glow rad="127000">
-                  <a:prstClr val="white"/>
-                </a:glow>
-              </a:effectLst>
-              <a:latin typeface="VNI-Aptima" pitchFamily="2" charset="0"/>
-              <a:ea typeface="Times New Roman" pitchFamily="18" charset="0"/>
-              <a:cs typeface="Times New Roman" pitchFamily="18" charset="0"/>
-            </a:endParaRPr>
+              <a:t>loái ñi traàn gian.</a:t>
+            </a:r>
           </a:p>
         </p:txBody>
       </p:sp>
@@ -3290,7 +2725,7 @@
           <a:p>
             <a:pPr algn="ctr"/>
             <a:r>
-              <a:rPr lang="en-US" sz="4000" b="1" smtClean="0">
+              <a:rPr lang="en-US" sz="4000" b="1" dirty="0">
                 <a:ln w="11430"/>
                 <a:solidFill>
                   <a:srgbClr val="FFFF00"/>
@@ -3305,27 +2740,10 @@
                     </a:srgbClr>
                   </a:outerShdw>
                 </a:effectLst>
-                <a:latin typeface="HP-Bank" panose="020B0603050302020204" pitchFamily="34" charset="0"/>
+                <a:latin typeface="VNI-Times" pitchFamily="2" charset="0"/>
               </a:rPr>
               <a:t>TIEÁN BÖÔÙC VÔÙI CHUÙA</a:t>
             </a:r>
-            <a:endParaRPr lang="en-US" sz="4000" b="1" smtClean="0">
-              <a:ln w="11430"/>
-              <a:solidFill>
-                <a:srgbClr val="FFFF00"/>
-              </a:solidFill>
-              <a:effectLst>
-                <a:glow rad="127000">
-                  <a:prstClr val="black"/>
-                </a:glow>
-                <a:outerShdw blurRad="50800" dist="39000" dir="5460000" algn="tl">
-                  <a:srgbClr val="000000">
-                    <a:alpha val="38000"/>
-                  </a:srgbClr>
-                </a:outerShdw>
-              </a:effectLst>
-              <a:latin typeface="HP-Bank" panose="020B0603050302020204" pitchFamily="34" charset="0"/>
-            </a:endParaRPr>
           </a:p>
         </p:txBody>
       </p:sp>
@@ -3415,149 +2833,8 @@
                 <a:ea typeface="Times New Roman" pitchFamily="18" charset="0"/>
                 <a:cs typeface="Times New Roman" pitchFamily="18" charset="0"/>
               </a:rPr>
-              <a:t>Toâi ñaõ </a:t>
-            </a:r>
-            <a:r>
-              <a:rPr lang="en-US" sz="6600" b="1">
-                <a:solidFill>
-                  <a:prstClr val="black"/>
-                </a:solidFill>
-                <a:effectLst>
-                  <a:glow rad="127000">
-                    <a:prstClr val="white"/>
-                  </a:glow>
-                </a:effectLst>
-                <a:latin typeface="VNI-Aptima" pitchFamily="2" charset="0"/>
-                <a:ea typeface="Times New Roman" pitchFamily="18" charset="0"/>
-                <a:cs typeface="Times New Roman" pitchFamily="18" charset="0"/>
-              </a:rPr>
-              <a:t>quyeát </a:t>
-            </a:r>
-            <a:r>
-              <a:rPr lang="en-US" sz="6600" b="1" smtClean="0">
-                <a:solidFill>
-                  <a:prstClr val="black"/>
-                </a:solidFill>
-                <a:effectLst>
-                  <a:glow rad="127000">
-                    <a:prstClr val="white"/>
-                  </a:glow>
-                </a:effectLst>
-                <a:latin typeface="VNI-Aptima" pitchFamily="2" charset="0"/>
-                <a:ea typeface="Times New Roman" pitchFamily="18" charset="0"/>
-                <a:cs typeface="Times New Roman" pitchFamily="18" charset="0"/>
-              </a:rPr>
-              <a:t>tieán </a:t>
-            </a:r>
-            <a:r>
-              <a:rPr lang="en-US" sz="6600" b="1">
-                <a:solidFill>
-                  <a:prstClr val="black"/>
-                </a:solidFill>
-                <a:effectLst>
-                  <a:glow rad="127000">
-                    <a:prstClr val="white"/>
-                  </a:glow>
-                </a:effectLst>
-                <a:latin typeface="VNI-Aptima" pitchFamily="2" charset="0"/>
-                <a:ea typeface="Times New Roman" pitchFamily="18" charset="0"/>
-                <a:cs typeface="Times New Roman" pitchFamily="18" charset="0"/>
-              </a:rPr>
-              <a:t>böôùc vôùi Chuùa</a:t>
-            </a:r>
-            <a:r>
-              <a:rPr lang="en-US" sz="6600" b="1">
-                <a:solidFill>
-                  <a:prstClr val="black"/>
-                </a:solidFill>
-                <a:effectLst>
-                  <a:glow rad="127000">
-                    <a:prstClr val="white"/>
-                  </a:glow>
-                </a:effectLst>
-                <a:latin typeface="VNI-Aptima" pitchFamily="2" charset="0"/>
-                <a:ea typeface="Times New Roman" pitchFamily="18" charset="0"/>
-                <a:cs typeface="Times New Roman" pitchFamily="18" charset="0"/>
-              </a:rPr>
-              <a:t>, </a:t>
-            </a:r>
-            <a:r>
-              <a:rPr lang="en-US" sz="6600" b="1" smtClean="0">
-                <a:solidFill>
-                  <a:prstClr val="black"/>
-                </a:solidFill>
-                <a:effectLst>
-                  <a:glow rad="127000">
-                    <a:prstClr val="white"/>
-                  </a:glow>
-                </a:effectLst>
-                <a:latin typeface="VNI-Aptima" pitchFamily="2" charset="0"/>
-                <a:ea typeface="Times New Roman" pitchFamily="18" charset="0"/>
-                <a:cs typeface="Times New Roman" pitchFamily="18" charset="0"/>
-              </a:rPr>
-              <a:t>bieát </a:t>
-            </a:r>
-            <a:r>
-              <a:rPr lang="en-US" sz="6600" b="1">
-                <a:solidFill>
-                  <a:prstClr val="black"/>
-                </a:solidFill>
-                <a:effectLst>
-                  <a:glow rad="127000">
-                    <a:prstClr val="white"/>
-                  </a:glow>
-                </a:effectLst>
-                <a:latin typeface="VNI-Aptima" pitchFamily="2" charset="0"/>
-                <a:ea typeface="Times New Roman" pitchFamily="18" charset="0"/>
-                <a:cs typeface="Times New Roman" pitchFamily="18" charset="0"/>
-              </a:rPr>
-              <a:t>Chuùa </a:t>
-            </a:r>
-            <a:r>
-              <a:rPr lang="en-US" sz="6600" b="1" smtClean="0">
-                <a:solidFill>
-                  <a:prstClr val="black"/>
-                </a:solidFill>
-                <a:effectLst>
-                  <a:glow rad="127000">
-                    <a:prstClr val="white"/>
-                  </a:glow>
-                </a:effectLst>
-                <a:latin typeface="VNI-Aptima" pitchFamily="2" charset="0"/>
-                <a:ea typeface="Times New Roman" pitchFamily="18" charset="0"/>
-                <a:cs typeface="Times New Roman" pitchFamily="18" charset="0"/>
-              </a:rPr>
-              <a:t>khoâng </a:t>
-            </a:r>
-            <a:r>
-              <a:rPr lang="en-US" sz="6600" b="1">
-                <a:solidFill>
-                  <a:prstClr val="black"/>
-                </a:solidFill>
-                <a:effectLst>
-                  <a:glow rad="127000">
-                    <a:prstClr val="white"/>
-                  </a:glow>
-                </a:effectLst>
-                <a:latin typeface="VNI-Aptima" pitchFamily="2" charset="0"/>
-                <a:ea typeface="Times New Roman" pitchFamily="18" charset="0"/>
-                <a:cs typeface="Times New Roman" pitchFamily="18" charset="0"/>
-              </a:rPr>
-              <a:t>thay dôøi. </a:t>
-            </a:r>
-            <a:endParaRPr lang="en-US" sz="6600" b="1">
-              <a:solidFill>
-                <a:prstClr val="black"/>
-              </a:solidFill>
-              <a:effectLst>
-                <a:glow rad="127000">
-                  <a:prstClr val="white"/>
-                </a:glow>
-              </a:effectLst>
-              <a:latin typeface="VNI-Aptima" pitchFamily="2" charset="0"/>
-              <a:ea typeface="Times New Roman" pitchFamily="18" charset="0"/>
-              <a:cs typeface="Times New Roman" pitchFamily="18" charset="0"/>
-            </a:endParaRPr>
+              <a:t>Toâi ñaõ quyeát tieán böôùc vôùi Chuùa, bieát Chuùa khoâng thay dôøi. </a:t>
+            </a:r>
           </a:p>
         </p:txBody>
       </p:sp>
@@ -3585,7 +2862,7 @@
           <a:p>
             <a:pPr algn="ctr"/>
             <a:r>
-              <a:rPr lang="en-US" sz="4000" b="1" smtClean="0">
+              <a:rPr lang="en-US" sz="4000" b="1" dirty="0">
                 <a:ln w="11430"/>
                 <a:solidFill>
                   <a:srgbClr val="FFFF00"/>
@@ -3600,27 +2877,10 @@
                     </a:srgbClr>
                   </a:outerShdw>
                 </a:effectLst>
-                <a:latin typeface="HP-Bank" panose="020B0603050302020204" pitchFamily="34" charset="0"/>
+                <a:latin typeface="VNI-Times" pitchFamily="2" charset="0"/>
               </a:rPr>
               <a:t>TIEÁN BÖÔÙC VÔÙI CHUÙA</a:t>
             </a:r>
-            <a:endParaRPr lang="en-US" sz="4000" b="1" smtClean="0">
-              <a:ln w="11430"/>
-              <a:solidFill>
-                <a:srgbClr val="FFFF00"/>
-              </a:solidFill>
-              <a:effectLst>
-                <a:glow rad="127000">
-                  <a:prstClr val="black"/>
-                </a:glow>
-                <a:outerShdw blurRad="50800" dist="39000" dir="5460000" algn="tl">
-                  <a:srgbClr val="000000">
-                    <a:alpha val="38000"/>
-                  </a:srgbClr>
-                </a:outerShdw>
-              </a:effectLst>
-              <a:latin typeface="HP-Bank" panose="020B0603050302020204" pitchFamily="34" charset="0"/>
-            </a:endParaRPr>
           </a:p>
         </p:txBody>
       </p:sp>
@@ -3710,9 +2970,9 @@
                 <a:ea typeface="Times New Roman" pitchFamily="18" charset="0"/>
                 <a:cs typeface="Times New Roman" pitchFamily="18" charset="0"/>
               </a:rPr>
-              <a:t>Jeâsus </a:t>
-            </a:r>
-            <a:r>
+              <a:t>Jeâsus laø baïn thaân, soáng maõi maõi vôùi toâi, toâi khoâng coøn lo aâu khi </a:t>
+            </a:r>
+            <a:br>
               <a:rPr lang="en-US" sz="6600" b="1">
                 <a:solidFill>
                   <a:prstClr val="black"/>
@@ -3726,10 +2986,9 @@
                 <a:ea typeface="Times New Roman" pitchFamily="18" charset="0"/>
                 <a:cs typeface="Times New Roman" pitchFamily="18" charset="0"/>
               </a:rPr>
-              <a:t>laø </a:t>
-            </a:r>
-            <a:r>
-              <a:rPr lang="en-US" sz="6600" b="1" smtClean="0">
+            </a:br>
+            <a:r>
+              <a:rPr lang="en-US" sz="6600" b="1">
                 <a:solidFill>
                   <a:prstClr val="black"/>
                 </a:solidFill>
@@ -3742,276 +3001,8 @@
                 <a:ea typeface="Times New Roman" pitchFamily="18" charset="0"/>
                 <a:cs typeface="Times New Roman" pitchFamily="18" charset="0"/>
               </a:rPr>
-              <a:t>baïn thaân</a:t>
-            </a:r>
-            <a:r>
-              <a:rPr lang="en-US" sz="6600" b="1">
-                <a:solidFill>
-                  <a:prstClr val="black"/>
-                </a:solidFill>
-                <a:effectLst>
-                  <a:glow rad="127000">
-                    <a:prstClr val="white"/>
-                  </a:glow>
-                </a:effectLst>
-                <a:latin typeface="VNI-Aptima" pitchFamily="2" charset="0"/>
-                <a:ea typeface="Times New Roman" pitchFamily="18" charset="0"/>
-                <a:cs typeface="Times New Roman" pitchFamily="18" charset="0"/>
-              </a:rPr>
-              <a:t>, soáng </a:t>
-            </a:r>
-            <a:r>
-              <a:rPr lang="en-US" sz="6600" b="1">
-                <a:solidFill>
-                  <a:prstClr val="black"/>
-                </a:solidFill>
-                <a:effectLst>
-                  <a:glow rad="127000">
-                    <a:prstClr val="white"/>
-                  </a:glow>
-                </a:effectLst>
-                <a:latin typeface="VNI-Aptima" pitchFamily="2" charset="0"/>
-                <a:ea typeface="Times New Roman" pitchFamily="18" charset="0"/>
-                <a:cs typeface="Times New Roman" pitchFamily="18" charset="0"/>
-              </a:rPr>
-              <a:t>maõi </a:t>
-            </a:r>
-            <a:r>
-              <a:rPr lang="en-US" sz="6600" b="1" smtClean="0">
-                <a:solidFill>
-                  <a:prstClr val="black"/>
-                </a:solidFill>
-                <a:effectLst>
-                  <a:glow rad="127000">
-                    <a:prstClr val="white"/>
-                  </a:glow>
-                </a:effectLst>
-                <a:latin typeface="VNI-Aptima" pitchFamily="2" charset="0"/>
-                <a:ea typeface="Times New Roman" pitchFamily="18" charset="0"/>
-                <a:cs typeface="Times New Roman" pitchFamily="18" charset="0"/>
-              </a:rPr>
-              <a:t>maõi </a:t>
-            </a:r>
-            <a:r>
-              <a:rPr lang="en-US" sz="6600" b="1">
-                <a:solidFill>
-                  <a:prstClr val="black"/>
-                </a:solidFill>
-                <a:effectLst>
-                  <a:glow rad="127000">
-                    <a:prstClr val="white"/>
-                  </a:glow>
-                </a:effectLst>
-                <a:latin typeface="VNI-Aptima" pitchFamily="2" charset="0"/>
-                <a:ea typeface="Times New Roman" pitchFamily="18" charset="0"/>
-                <a:cs typeface="Times New Roman" pitchFamily="18" charset="0"/>
-              </a:rPr>
-              <a:t>vôùi </a:t>
-            </a:r>
-            <a:r>
-              <a:rPr lang="en-US" sz="6600" b="1">
-                <a:solidFill>
-                  <a:prstClr val="black"/>
-                </a:solidFill>
-                <a:effectLst>
-                  <a:glow rad="127000">
-                    <a:prstClr val="white"/>
-                  </a:glow>
-                </a:effectLst>
-                <a:latin typeface="VNI-Aptima" pitchFamily="2" charset="0"/>
-                <a:ea typeface="Times New Roman" pitchFamily="18" charset="0"/>
-                <a:cs typeface="Times New Roman" pitchFamily="18" charset="0"/>
-              </a:rPr>
-              <a:t>toâi</a:t>
-            </a:r>
-            <a:r>
-              <a:rPr lang="en-US" sz="6600" b="1">
-                <a:solidFill>
-                  <a:prstClr val="black"/>
-                </a:solidFill>
-                <a:effectLst>
-                  <a:glow rad="127000">
-                    <a:prstClr val="white"/>
-                  </a:glow>
-                </a:effectLst>
-                <a:latin typeface="VNI-Aptima" pitchFamily="2" charset="0"/>
-                <a:ea typeface="Times New Roman" pitchFamily="18" charset="0"/>
-                <a:cs typeface="Times New Roman" pitchFamily="18" charset="0"/>
-              </a:rPr>
-              <a:t>, </a:t>
-            </a:r>
-            <a:r>
-              <a:rPr lang="en-US" sz="6600" b="1" smtClean="0">
-                <a:solidFill>
-                  <a:prstClr val="black"/>
-                </a:solidFill>
-                <a:effectLst>
-                  <a:glow rad="127000">
-                    <a:prstClr val="white"/>
-                  </a:glow>
-                </a:effectLst>
-                <a:latin typeface="VNI-Aptima" pitchFamily="2" charset="0"/>
-                <a:ea typeface="Times New Roman" pitchFamily="18" charset="0"/>
-                <a:cs typeface="Times New Roman" pitchFamily="18" charset="0"/>
-              </a:rPr>
-              <a:t>toâi </a:t>
-            </a:r>
-            <a:r>
-              <a:rPr lang="en-US" sz="6600" b="1">
-                <a:solidFill>
-                  <a:prstClr val="black"/>
-                </a:solidFill>
-                <a:effectLst>
-                  <a:glow rad="127000">
-                    <a:prstClr val="white"/>
-                  </a:glow>
-                </a:effectLst>
-                <a:latin typeface="VNI-Aptima" pitchFamily="2" charset="0"/>
-                <a:ea typeface="Times New Roman" pitchFamily="18" charset="0"/>
-                <a:cs typeface="Times New Roman" pitchFamily="18" charset="0"/>
-              </a:rPr>
-              <a:t>khoâng </a:t>
-            </a:r>
-            <a:r>
-              <a:rPr lang="en-US" sz="6600" b="1">
-                <a:solidFill>
-                  <a:prstClr val="black"/>
-                </a:solidFill>
-                <a:effectLst>
-                  <a:glow rad="127000">
-                    <a:prstClr val="white"/>
-                  </a:glow>
-                </a:effectLst>
-                <a:latin typeface="VNI-Aptima" pitchFamily="2" charset="0"/>
-                <a:ea typeface="Times New Roman" pitchFamily="18" charset="0"/>
-                <a:cs typeface="Times New Roman" pitchFamily="18" charset="0"/>
-              </a:rPr>
-              <a:t>coøn </a:t>
-            </a:r>
-            <a:r>
-              <a:rPr lang="en-US" sz="6600" b="1" smtClean="0">
-                <a:solidFill>
-                  <a:prstClr val="black"/>
-                </a:solidFill>
-                <a:effectLst>
-                  <a:glow rad="127000">
-                    <a:prstClr val="white"/>
-                  </a:glow>
-                </a:effectLst>
-                <a:latin typeface="VNI-Aptima" pitchFamily="2" charset="0"/>
-                <a:ea typeface="Times New Roman" pitchFamily="18" charset="0"/>
-                <a:cs typeface="Times New Roman" pitchFamily="18" charset="0"/>
-              </a:rPr>
-              <a:t>lo </a:t>
-            </a:r>
-            <a:r>
-              <a:rPr lang="en-US" sz="6600" b="1">
-                <a:solidFill>
-                  <a:prstClr val="black"/>
-                </a:solidFill>
-                <a:effectLst>
-                  <a:glow rad="127000">
-                    <a:prstClr val="white"/>
-                  </a:glow>
-                </a:effectLst>
-                <a:latin typeface="VNI-Aptima" pitchFamily="2" charset="0"/>
-                <a:ea typeface="Times New Roman" pitchFamily="18" charset="0"/>
-                <a:cs typeface="Times New Roman" pitchFamily="18" charset="0"/>
-              </a:rPr>
-              <a:t>aâu </a:t>
-            </a:r>
-            <a:r>
-              <a:rPr lang="en-US" sz="6600" b="1">
-                <a:solidFill>
-                  <a:prstClr val="black"/>
-                </a:solidFill>
-                <a:effectLst>
-                  <a:glow rad="127000">
-                    <a:prstClr val="white"/>
-                  </a:glow>
-                </a:effectLst>
-                <a:latin typeface="VNI-Aptima" pitchFamily="2" charset="0"/>
-                <a:ea typeface="Times New Roman" pitchFamily="18" charset="0"/>
-                <a:cs typeface="Times New Roman" pitchFamily="18" charset="0"/>
-              </a:rPr>
-              <a:t>khi </a:t>
-            </a:r>
-            <a:r>
-              <a:rPr lang="en-US" sz="6600" b="1" smtClean="0">
-                <a:solidFill>
-                  <a:prstClr val="black"/>
-                </a:solidFill>
-                <a:effectLst>
-                  <a:glow rad="127000">
-                    <a:prstClr val="white"/>
-                  </a:glow>
-                </a:effectLst>
-                <a:latin typeface="VNI-Aptima" pitchFamily="2" charset="0"/>
-                <a:ea typeface="Times New Roman" pitchFamily="18" charset="0"/>
-                <a:cs typeface="Times New Roman" pitchFamily="18" charset="0"/>
-              </a:rPr>
-              <a:t/>
-            </a:r>
-            <a:br>
-              <a:rPr lang="en-US" sz="6600" b="1" smtClean="0">
-                <a:solidFill>
-                  <a:prstClr val="black"/>
-                </a:solidFill>
-                <a:effectLst>
-                  <a:glow rad="127000">
-                    <a:prstClr val="white"/>
-                  </a:glow>
-                </a:effectLst>
-                <a:latin typeface="VNI-Aptima" pitchFamily="2" charset="0"/>
-                <a:ea typeface="Times New Roman" pitchFamily="18" charset="0"/>
-                <a:cs typeface="Times New Roman" pitchFamily="18" charset="0"/>
-              </a:rPr>
-            </a:br>
-            <a:r>
-              <a:rPr lang="en-US" sz="6600" b="1" smtClean="0">
-                <a:solidFill>
-                  <a:prstClr val="black"/>
-                </a:solidFill>
-                <a:effectLst>
-                  <a:glow rad="127000">
-                    <a:prstClr val="white"/>
-                  </a:glow>
-                </a:effectLst>
-                <a:latin typeface="VNI-Aptima" pitchFamily="2" charset="0"/>
-                <a:ea typeface="Times New Roman" pitchFamily="18" charset="0"/>
-                <a:cs typeface="Times New Roman" pitchFamily="18" charset="0"/>
-              </a:rPr>
-              <a:t>toâi böôùc </a:t>
-            </a:r>
-            <a:r>
-              <a:rPr lang="en-US" sz="6600" b="1">
-                <a:solidFill>
-                  <a:prstClr val="black"/>
-                </a:solidFill>
-                <a:effectLst>
-                  <a:glow rad="127000">
-                    <a:prstClr val="white"/>
-                  </a:glow>
-                </a:effectLst>
-                <a:latin typeface="VNI-Aptima" pitchFamily="2" charset="0"/>
-                <a:ea typeface="Times New Roman" pitchFamily="18" charset="0"/>
-                <a:cs typeface="Times New Roman" pitchFamily="18" charset="0"/>
-              </a:rPr>
-              <a:t>theo Ngaøi. </a:t>
-            </a:r>
-            <a:endParaRPr lang="en-US" sz="6600" b="1">
-              <a:solidFill>
-                <a:prstClr val="black"/>
-              </a:solidFill>
-              <a:effectLst>
-                <a:glow rad="127000">
-                  <a:prstClr val="white"/>
-                </a:glow>
-              </a:effectLst>
-              <a:latin typeface="VNI-Aptima" pitchFamily="2" charset="0"/>
-              <a:ea typeface="Times New Roman" pitchFamily="18" charset="0"/>
-              <a:cs typeface="Times New Roman" pitchFamily="18" charset="0"/>
-            </a:endParaRPr>
+              <a:t>toâi böôùc theo Ngaøi. </a:t>
+            </a:r>
           </a:p>
         </p:txBody>
       </p:sp>
@@ -4039,7 +3030,7 @@
           <a:p>
             <a:pPr algn="ctr"/>
             <a:r>
-              <a:rPr lang="en-US" sz="4000" b="1" smtClean="0">
+              <a:rPr lang="en-US" sz="4000" b="1" dirty="0">
                 <a:ln w="11430"/>
                 <a:solidFill>
                   <a:srgbClr val="FFFF00"/>
@@ -4054,27 +3045,10 @@
                     </a:srgbClr>
                   </a:outerShdw>
                 </a:effectLst>
-                <a:latin typeface="HP-Bank" panose="020B0603050302020204" pitchFamily="34" charset="0"/>
+                <a:latin typeface="VNI-Times" pitchFamily="2" charset="0"/>
               </a:rPr>
               <a:t>TIEÁN BÖÔÙC VÔÙI CHUÙA</a:t>
             </a:r>
-            <a:endParaRPr lang="en-US" sz="4000" b="1" smtClean="0">
-              <a:ln w="11430"/>
-              <a:solidFill>
-                <a:srgbClr val="FFFF00"/>
-              </a:solidFill>
-              <a:effectLst>
-                <a:glow rad="127000">
-                  <a:prstClr val="black"/>
-                </a:glow>
-                <a:outerShdw blurRad="50800" dist="39000" dir="5460000" algn="tl">
-                  <a:srgbClr val="000000">
-                    <a:alpha val="38000"/>
-                  </a:srgbClr>
-                </a:outerShdw>
-              </a:effectLst>
-              <a:latin typeface="HP-Bank" panose="020B0603050302020204" pitchFamily="34" charset="0"/>
-            </a:endParaRPr>
           </a:p>
         </p:txBody>
       </p:sp>
@@ -4132,7 +3106,7 @@
           <a:p>
             <a:pPr algn="ctr"/>
             <a:r>
-              <a:rPr lang="en-US" sz="4000" b="1" smtClean="0">
+              <a:rPr lang="en-US" sz="4000" b="1" dirty="0">
                 <a:ln w="11430"/>
                 <a:solidFill>
                   <a:srgbClr val="FFFF00"/>
@@ -4147,7 +3121,7 @@
                     </a:srgbClr>
                   </a:outerShdw>
                 </a:effectLst>
-                <a:latin typeface="HP-Bank" panose="020B0603050302020204" pitchFamily="34" charset="0"/>
+                <a:latin typeface="VNI-Times" pitchFamily="2" charset="0"/>
               </a:rPr>
               <a:t>TIEÁN BÖÔÙC VÔÙI CHUÙA</a:t>
             </a:r>
@@ -4210,9 +3184,9 @@
                 <a:ea typeface="Times New Roman" pitchFamily="18" charset="0"/>
                 <a:cs typeface="Times New Roman" pitchFamily="18" charset="0"/>
               </a:rPr>
-              <a:t>Haèng ngaøy </a:t>
-            </a:r>
-            <a:r>
+              <a:t>Haèng ngaøy toâi </a:t>
+            </a:r>
+            <a:br>
               <a:rPr lang="en-US" sz="6600" b="1">
                 <a:solidFill>
                   <a:prstClr val="black"/>
@@ -4226,10 +3200,9 @@
                 <a:ea typeface="Times New Roman" pitchFamily="18" charset="0"/>
                 <a:cs typeface="Times New Roman" pitchFamily="18" charset="0"/>
               </a:rPr>
-              <a:t>toâi </a:t>
-            </a:r>
-            <a:r>
-              <a:rPr lang="en-US" sz="6600" b="1" smtClean="0">
+            </a:br>
+            <a:r>
+              <a:rPr lang="en-US" sz="6600" b="1">
                 <a:solidFill>
                   <a:prstClr val="black"/>
                 </a:solidFill>
@@ -4242,10 +3215,10 @@
                 <a:ea typeface="Times New Roman" pitchFamily="18" charset="0"/>
                 <a:cs typeface="Times New Roman" pitchFamily="18" charset="0"/>
               </a:rPr>
-              <a:t/>
+              <a:t>tieán böôùc vôùi Chuùa, </a:t>
             </a:r>
             <a:br>
-              <a:rPr lang="en-US" sz="6600" b="1" smtClean="0">
+              <a:rPr lang="en-US" sz="6600" b="1">
                 <a:solidFill>
                   <a:prstClr val="black"/>
                 </a:solidFill>
@@ -4260,7 +3233,7 @@
               </a:rPr>
             </a:br>
             <a:r>
-              <a:rPr lang="en-US" sz="6600" b="1" smtClean="0">
+              <a:rPr lang="en-US" sz="6600" b="1">
                 <a:solidFill>
                   <a:prstClr val="black"/>
                 </a:solidFill>
@@ -4273,148 +3246,8 @@
                 <a:ea typeface="Times New Roman" pitchFamily="18" charset="0"/>
                 <a:cs typeface="Times New Roman" pitchFamily="18" charset="0"/>
               </a:rPr>
-              <a:t>tieán </a:t>
-            </a:r>
-            <a:r>
-              <a:rPr lang="en-US" sz="6600" b="1">
-                <a:solidFill>
-                  <a:prstClr val="black"/>
-                </a:solidFill>
-                <a:effectLst>
-                  <a:glow rad="127000">
-                    <a:prstClr val="white"/>
-                  </a:glow>
-                </a:effectLst>
-                <a:latin typeface="VNI-Aptima" pitchFamily="2" charset="0"/>
-                <a:ea typeface="Times New Roman" pitchFamily="18" charset="0"/>
-                <a:cs typeface="Times New Roman" pitchFamily="18" charset="0"/>
-              </a:rPr>
-              <a:t>böôùc vôùi Chuùa</a:t>
-            </a:r>
-            <a:r>
-              <a:rPr lang="en-US" sz="6600" b="1">
-                <a:solidFill>
-                  <a:prstClr val="black"/>
-                </a:solidFill>
-                <a:effectLst>
-                  <a:glow rad="127000">
-                    <a:prstClr val="white"/>
-                  </a:glow>
-                </a:effectLst>
-                <a:latin typeface="VNI-Aptima" pitchFamily="2" charset="0"/>
-                <a:ea typeface="Times New Roman" pitchFamily="18" charset="0"/>
-                <a:cs typeface="Times New Roman" pitchFamily="18" charset="0"/>
-              </a:rPr>
-              <a:t>, </a:t>
-            </a:r>
-            <a:r>
-              <a:rPr lang="en-US" sz="6600" b="1" smtClean="0">
-                <a:solidFill>
-                  <a:prstClr val="black"/>
-                </a:solidFill>
-                <a:effectLst>
-                  <a:glow rad="127000">
-                    <a:prstClr val="white"/>
-                  </a:glow>
-                </a:effectLst>
-                <a:latin typeface="VNI-Aptima" pitchFamily="2" charset="0"/>
-                <a:ea typeface="Times New Roman" pitchFamily="18" charset="0"/>
-                <a:cs typeface="Times New Roman" pitchFamily="18" charset="0"/>
-              </a:rPr>
-              <a:t/>
-            </a:r>
-            <a:br>
-              <a:rPr lang="en-US" sz="6600" b="1" smtClean="0">
-                <a:solidFill>
-                  <a:prstClr val="black"/>
-                </a:solidFill>
-                <a:effectLst>
-                  <a:glow rad="127000">
-                    <a:prstClr val="white"/>
-                  </a:glow>
-                </a:effectLst>
-                <a:latin typeface="VNI-Aptima" pitchFamily="2" charset="0"/>
-                <a:ea typeface="Times New Roman" pitchFamily="18" charset="0"/>
-                <a:cs typeface="Times New Roman" pitchFamily="18" charset="0"/>
-              </a:rPr>
-            </a:br>
-            <a:r>
-              <a:rPr lang="en-US" sz="6600" b="1" smtClean="0">
-                <a:solidFill>
-                  <a:prstClr val="black"/>
-                </a:solidFill>
-                <a:effectLst>
-                  <a:glow rad="127000">
-                    <a:prstClr val="white"/>
-                  </a:glow>
-                </a:effectLst>
-                <a:latin typeface="VNI-Aptima" pitchFamily="2" charset="0"/>
-                <a:ea typeface="Times New Roman" pitchFamily="18" charset="0"/>
-                <a:cs typeface="Times New Roman" pitchFamily="18" charset="0"/>
-              </a:rPr>
-              <a:t>daãu </a:t>
-            </a:r>
-            <a:r>
-              <a:rPr lang="en-US" sz="6600" b="1">
-                <a:solidFill>
-                  <a:prstClr val="black"/>
-                </a:solidFill>
-                <a:effectLst>
-                  <a:glow rad="127000">
-                    <a:prstClr val="white"/>
-                  </a:glow>
-                </a:effectLst>
-                <a:latin typeface="VNI-Aptima" pitchFamily="2" charset="0"/>
-                <a:ea typeface="Times New Roman" pitchFamily="18" charset="0"/>
-                <a:cs typeface="Times New Roman" pitchFamily="18" charset="0"/>
-              </a:rPr>
-              <a:t>loái </a:t>
-            </a:r>
-            <a:r>
-              <a:rPr lang="en-US" sz="6600" b="1" smtClean="0">
-                <a:solidFill>
-                  <a:prstClr val="black"/>
-                </a:solidFill>
-                <a:effectLst>
-                  <a:glow rad="127000">
-                    <a:prstClr val="white"/>
-                  </a:glow>
-                </a:effectLst>
-                <a:latin typeface="VNI-Aptima" pitchFamily="2" charset="0"/>
-                <a:ea typeface="Times New Roman" pitchFamily="18" charset="0"/>
-                <a:cs typeface="Times New Roman" pitchFamily="18" charset="0"/>
-              </a:rPr>
-              <a:t>ñi </a:t>
-            </a:r>
-            <a:r>
-              <a:rPr lang="en-US" sz="6600" b="1">
-                <a:solidFill>
-                  <a:prstClr val="black"/>
-                </a:solidFill>
-                <a:effectLst>
-                  <a:glow rad="127000">
-                    <a:prstClr val="white"/>
-                  </a:glow>
-                </a:effectLst>
-                <a:latin typeface="VNI-Aptima" pitchFamily="2" charset="0"/>
-                <a:ea typeface="Times New Roman" pitchFamily="18" charset="0"/>
-                <a:cs typeface="Times New Roman" pitchFamily="18" charset="0"/>
-              </a:rPr>
-              <a:t>khoå naïn.</a:t>
-            </a:r>
-            <a:endParaRPr lang="en-US" sz="6600" b="1">
-              <a:solidFill>
-                <a:prstClr val="black"/>
-              </a:solidFill>
-              <a:effectLst>
-                <a:glow rad="127000">
-                  <a:prstClr val="white"/>
-                </a:glow>
-              </a:effectLst>
-              <a:latin typeface="VNI-Aptima" pitchFamily="2" charset="0"/>
-              <a:ea typeface="Times New Roman" pitchFamily="18" charset="0"/>
-              <a:cs typeface="Times New Roman" pitchFamily="18" charset="0"/>
-            </a:endParaRPr>
+              <a:t>daãu loái ñi khoå naïn.</a:t>
+            </a:r>
           </a:p>
         </p:txBody>
       </p:sp>
@@ -4431,13 +3264,6 @@
   <p:transition spd="slow">
     <p:randomBar dir="vert"/>
   </p:transition>
-  <p:timing>
-    <p:tnLst>
-      <p:par>
-        <p:cTn id="1" dur="indefinite" restart="never" nodeType="tmRoot"/>
-      </p:par>
-    </p:tnLst>
-  </p:timing>
 </p:sld>
 </file>
 
@@ -4514,9 +3340,9 @@
                 <a:ea typeface="Times New Roman" pitchFamily="18" charset="0"/>
                 <a:cs typeface="Times New Roman" pitchFamily="18" charset="0"/>
               </a:rPr>
-              <a:t>Haèng ngaøy toâi tieán böôùc vôùi Chuùa, </a:t>
-            </a:r>
-            <a:r>
+              <a:t>Haèng ngaøy toâi tieán böôùc vôùi Chuùa, cöù </a:t>
+            </a:r>
+            <a:br>
               <a:rPr lang="en-US" sz="6600" b="1">
                 <a:solidFill>
                   <a:prstClr val="black"/>
@@ -4530,10 +3356,9 @@
                 <a:ea typeface="Times New Roman" pitchFamily="18" charset="0"/>
                 <a:cs typeface="Times New Roman" pitchFamily="18" charset="0"/>
               </a:rPr>
-              <a:t>cöù </a:t>
-            </a:r>
-            <a:r>
-              <a:rPr lang="en-US" sz="6600" b="1" smtClean="0">
+            </a:br>
+            <a:r>
+              <a:rPr lang="en-US" sz="6600" b="1">
                 <a:solidFill>
                   <a:prstClr val="black"/>
                 </a:solidFill>
@@ -4546,68 +3371,8 @@
                 <a:ea typeface="Times New Roman" pitchFamily="18" charset="0"/>
                 <a:cs typeface="Times New Roman" pitchFamily="18" charset="0"/>
               </a:rPr>
-              <a:t/>
-            </a:r>
-            <a:br>
-              <a:rPr lang="en-US" sz="6600" b="1" smtClean="0">
-                <a:solidFill>
-                  <a:prstClr val="black"/>
-                </a:solidFill>
-                <a:effectLst>
-                  <a:glow rad="127000">
-                    <a:prstClr val="white"/>
-                  </a:glow>
-                </a:effectLst>
-                <a:latin typeface="VNI-Aptima" pitchFamily="2" charset="0"/>
-                <a:ea typeface="Times New Roman" pitchFamily="18" charset="0"/>
-                <a:cs typeface="Times New Roman" pitchFamily="18" charset="0"/>
-              </a:rPr>
-            </a:br>
-            <a:r>
-              <a:rPr lang="en-US" sz="6600" b="1" smtClean="0">
-                <a:solidFill>
-                  <a:prstClr val="black"/>
-                </a:solidFill>
-                <a:effectLst>
-                  <a:glow rad="127000">
-                    <a:prstClr val="white"/>
-                  </a:glow>
-                </a:effectLst>
-                <a:latin typeface="VNI-Aptima" pitchFamily="2" charset="0"/>
-                <a:ea typeface="Times New Roman" pitchFamily="18" charset="0"/>
-                <a:cs typeface="Times New Roman" pitchFamily="18" charset="0"/>
-              </a:rPr>
-              <a:t>vöõng tin </a:t>
-            </a:r>
-            <a:r>
-              <a:rPr lang="en-US" sz="6600" b="1">
-                <a:solidFill>
-                  <a:prstClr val="black"/>
-                </a:solidFill>
-                <a:effectLst>
-                  <a:glow rad="127000">
-                    <a:prstClr val="white"/>
-                  </a:glow>
-                </a:effectLst>
-                <a:latin typeface="VNI-Aptima" pitchFamily="2" charset="0"/>
-                <a:ea typeface="Times New Roman" pitchFamily="18" charset="0"/>
-                <a:cs typeface="Times New Roman" pitchFamily="18" charset="0"/>
-              </a:rPr>
-              <a:t>Ngaøi luoân.</a:t>
-            </a:r>
-            <a:endParaRPr lang="en-US" sz="6600" b="1">
-              <a:solidFill>
-                <a:prstClr val="black"/>
-              </a:solidFill>
-              <a:effectLst>
-                <a:glow rad="127000">
-                  <a:prstClr val="white"/>
-                </a:glow>
-              </a:effectLst>
-              <a:latin typeface="VNI-Aptima" pitchFamily="2" charset="0"/>
-              <a:ea typeface="Times New Roman" pitchFamily="18" charset="0"/>
-              <a:cs typeface="Times New Roman" pitchFamily="18" charset="0"/>
-            </a:endParaRPr>
+              <a:t>vöõng tin Ngaøi luoân.</a:t>
+            </a:r>
           </a:p>
         </p:txBody>
       </p:sp>
@@ -4635,7 +3400,7 @@
           <a:p>
             <a:pPr algn="ctr"/>
             <a:r>
-              <a:rPr lang="en-US" sz="4000" b="1" smtClean="0">
+              <a:rPr lang="en-US" sz="4000" b="1" dirty="0">
                 <a:ln w="11430"/>
                 <a:solidFill>
                   <a:srgbClr val="FFFF00"/>
@@ -4650,27 +3415,10 @@
                     </a:srgbClr>
                   </a:outerShdw>
                 </a:effectLst>
-                <a:latin typeface="HP-Bank" panose="020B0603050302020204" pitchFamily="34" charset="0"/>
+                <a:latin typeface="VNI-Times" pitchFamily="2" charset="0"/>
               </a:rPr>
               <a:t>TIEÁN BÖÔÙC VÔÙI CHUÙA</a:t>
             </a:r>
-            <a:endParaRPr lang="en-US" sz="4000" b="1" smtClean="0">
-              <a:ln w="11430"/>
-              <a:solidFill>
-                <a:srgbClr val="FFFF00"/>
-              </a:solidFill>
-              <a:effectLst>
-                <a:glow rad="127000">
-                  <a:prstClr val="black"/>
-                </a:glow>
-                <a:outerShdw blurRad="50800" dist="39000" dir="5460000" algn="tl">
-                  <a:srgbClr val="000000">
-                    <a:alpha val="38000"/>
-                  </a:srgbClr>
-                </a:outerShdw>
-              </a:effectLst>
-              <a:latin typeface="HP-Bank" panose="020B0603050302020204" pitchFamily="34" charset="0"/>
-            </a:endParaRPr>
           </a:p>
         </p:txBody>
       </p:sp>
@@ -4760,117 +3508,8 @@
                 <a:ea typeface="Times New Roman" pitchFamily="18" charset="0"/>
                 <a:cs typeface="Times New Roman" pitchFamily="18" charset="0"/>
               </a:rPr>
-              <a:t>Daàu ñöôøng </a:t>
-            </a:r>
-            <a:r>
-              <a:rPr lang="en-US" sz="6600" b="1">
-                <a:solidFill>
-                  <a:prstClr val="black"/>
-                </a:solidFill>
-                <a:effectLst>
-                  <a:glow rad="127000">
-                    <a:prstClr val="white"/>
-                  </a:glow>
-                </a:effectLst>
-                <a:latin typeface="VNI-Aptima" pitchFamily="2" charset="0"/>
-                <a:ea typeface="Times New Roman" pitchFamily="18" charset="0"/>
-                <a:cs typeface="Times New Roman" pitchFamily="18" charset="0"/>
-              </a:rPr>
-              <a:t>ñôøi </a:t>
-            </a:r>
-            <a:r>
-              <a:rPr lang="en-US" sz="6600" b="1" smtClean="0">
-                <a:solidFill>
-                  <a:prstClr val="black"/>
-                </a:solidFill>
-                <a:effectLst>
-                  <a:glow rad="127000">
-                    <a:prstClr val="white"/>
-                  </a:glow>
-                </a:effectLst>
-                <a:latin typeface="VNI-Aptima" pitchFamily="2" charset="0"/>
-                <a:ea typeface="Times New Roman" pitchFamily="18" charset="0"/>
-                <a:cs typeface="Times New Roman" pitchFamily="18" charset="0"/>
-              </a:rPr>
-              <a:t>gai </a:t>
-            </a:r>
-            <a:r>
-              <a:rPr lang="en-US" sz="6600" b="1">
-                <a:solidFill>
-                  <a:prstClr val="black"/>
-                </a:solidFill>
-                <a:effectLst>
-                  <a:glow rad="127000">
-                    <a:prstClr val="white"/>
-                  </a:glow>
-                </a:effectLst>
-                <a:latin typeface="VNI-Aptima" pitchFamily="2" charset="0"/>
-                <a:ea typeface="Times New Roman" pitchFamily="18" charset="0"/>
-                <a:cs typeface="Times New Roman" pitchFamily="18" charset="0"/>
-              </a:rPr>
-              <a:t>vöôùng maéc </a:t>
-            </a:r>
-            <a:r>
-              <a:rPr lang="en-US" sz="6600" b="1">
-                <a:solidFill>
-                  <a:prstClr val="black"/>
-                </a:solidFill>
-                <a:effectLst>
-                  <a:glow rad="127000">
-                    <a:prstClr val="white"/>
-                  </a:glow>
-                </a:effectLst>
-                <a:latin typeface="VNI-Aptima" pitchFamily="2" charset="0"/>
-                <a:ea typeface="Times New Roman" pitchFamily="18" charset="0"/>
-                <a:cs typeface="Times New Roman" pitchFamily="18" charset="0"/>
-              </a:rPr>
-              <a:t>chaén </a:t>
-            </a:r>
-            <a:r>
-              <a:rPr lang="en-US" sz="6600" b="1" smtClean="0">
-                <a:solidFill>
-                  <a:prstClr val="black"/>
-                </a:solidFill>
-                <a:effectLst>
-                  <a:glow rad="127000">
-                    <a:prstClr val="white"/>
-                  </a:glow>
-                </a:effectLst>
-                <a:latin typeface="VNI-Aptima" pitchFamily="2" charset="0"/>
-                <a:ea typeface="Times New Roman" pitchFamily="18" charset="0"/>
-                <a:cs typeface="Times New Roman" pitchFamily="18" charset="0"/>
-              </a:rPr>
-              <a:t>loái, daãu </a:t>
-            </a:r>
-            <a:r>
-              <a:rPr lang="en-US" sz="6600" b="1">
-                <a:solidFill>
-                  <a:prstClr val="black"/>
-                </a:solidFill>
-                <a:effectLst>
-                  <a:glow rad="127000">
-                    <a:prstClr val="white"/>
-                  </a:glow>
-                </a:effectLst>
-                <a:latin typeface="VNI-Aptima" pitchFamily="2" charset="0"/>
-                <a:ea typeface="Times New Roman" pitchFamily="18" charset="0"/>
-                <a:cs typeface="Times New Roman" pitchFamily="18" charset="0"/>
-              </a:rPr>
-              <a:t>böôùc ñi buoàn ñau.</a:t>
-            </a:r>
-            <a:endParaRPr lang="en-US" sz="6600" b="1">
-              <a:solidFill>
-                <a:prstClr val="black"/>
-              </a:solidFill>
-              <a:effectLst>
-                <a:glow rad="127000">
-                  <a:prstClr val="white"/>
-                </a:glow>
-              </a:effectLst>
-              <a:latin typeface="VNI-Aptima" pitchFamily="2" charset="0"/>
-              <a:ea typeface="Times New Roman" pitchFamily="18" charset="0"/>
-              <a:cs typeface="Times New Roman" pitchFamily="18" charset="0"/>
-            </a:endParaRPr>
+              <a:t>Daàu ñöôøng ñôøi gai vöôùng maéc chaén loái, daãu böôùc ñi buoàn ñau.</a:t>
+            </a:r>
           </a:p>
         </p:txBody>
       </p:sp>
@@ -4898,7 +3537,7 @@
           <a:p>
             <a:pPr algn="ctr"/>
             <a:r>
-              <a:rPr lang="en-US" sz="4000" b="1" smtClean="0">
+              <a:rPr lang="en-US" sz="4000" b="1" dirty="0">
                 <a:ln w="11430"/>
                 <a:solidFill>
                   <a:srgbClr val="FFFF00"/>
@@ -4913,27 +3552,10 @@
                     </a:srgbClr>
                   </a:outerShdw>
                 </a:effectLst>
-                <a:latin typeface="HP-Bank" panose="020B0603050302020204" pitchFamily="34" charset="0"/>
+                <a:latin typeface="VNI-Times" pitchFamily="2" charset="0"/>
               </a:rPr>
               <a:t>TIEÁN BÖÔÙC VÔÙI CHUÙA</a:t>
             </a:r>
-            <a:endParaRPr lang="en-US" sz="4000" b="1" smtClean="0">
-              <a:ln w="11430"/>
-              <a:solidFill>
-                <a:srgbClr val="FFFF00"/>
-              </a:solidFill>
-              <a:effectLst>
-                <a:glow rad="127000">
-                  <a:prstClr val="black"/>
-                </a:glow>
-                <a:outerShdw blurRad="50800" dist="39000" dir="5460000" algn="tl">
-                  <a:srgbClr val="000000">
-                    <a:alpha val="38000"/>
-                  </a:srgbClr>
-                </a:outerShdw>
-              </a:effectLst>
-              <a:latin typeface="HP-Bank" panose="020B0603050302020204" pitchFamily="34" charset="0"/>
-            </a:endParaRPr>
           </a:p>
         </p:txBody>
       </p:sp>
